--- a/resources/architecture.pptx
+++ b/resources/architecture.pptx
@@ -4408,6 +4408,64 @@
           </a:p>
         </p:txBody>
       </p:sp>
+      <p:sp>
+        <p:nvSpPr>
+          <p:cNvPr id="3" name="Cloud Callout 2"/>
+          <p:cNvSpPr/>
+          <p:nvPr/>
+        </p:nvSpPr>
+        <p:spPr>
+          <a:xfrm>
+            <a:off x="10427407" y="2438400"/>
+            <a:ext cx="1577392" cy="751690"/>
+          </a:xfrm>
+          <a:prstGeom prst="cloudCallout">
+            <a:avLst>
+              <a:gd name="adj1" fmla="val -42103"/>
+              <a:gd name="adj2" fmla="val 65789"/>
+            </a:avLst>
+          </a:prstGeom>
+          <a:solidFill>
+            <a:schemeClr val="bg1">
+              <a:lumMod val="65000"/>
+            </a:schemeClr>
+          </a:solidFill>
+          <a:ln>
+            <a:solidFill>
+              <a:schemeClr val="bg1">
+                <a:lumMod val="95000"/>
+              </a:schemeClr>
+            </a:solidFill>
+          </a:ln>
+        </p:spPr>
+        <p:style>
+          <a:lnRef idx="2">
+            <a:schemeClr val="accent1">
+              <a:shade val="50000"/>
+            </a:schemeClr>
+          </a:lnRef>
+          <a:fillRef idx="1">
+            <a:schemeClr val="accent1"/>
+          </a:fillRef>
+          <a:effectRef idx="0">
+            <a:schemeClr val="accent1"/>
+          </a:effectRef>
+          <a:fontRef idx="minor">
+            <a:schemeClr val="lt1"/>
+          </a:fontRef>
+        </p:style>
+        <p:txBody>
+          <a:bodyPr rtlCol="0" anchor="ctr"/>
+          <a:lstStyle/>
+          <a:p>
+            <a:pPr algn="ctr"/>
+            <a:r>
+              <a:rPr lang="en-US" sz="1400" dirty="0"/>
+              <a:t>Fluent Command Validation</a:t>
+            </a:r>
+          </a:p>
+        </p:txBody>
+      </p:sp>
     </p:spTree>
     <p:extLst>
       <p:ext uri="{BB962C8B-B14F-4D97-AF65-F5344CB8AC3E}">
@@ -4977,7 +5035,7 @@
         </p:blipFill>
         <p:spPr>
           <a:xfrm>
-            <a:off x="0" y="-23052"/>
+            <a:off x="0" y="-16593"/>
             <a:ext cx="12192000" cy="6874593"/>
           </a:xfrm>
           <a:prstGeom prst="rect">
@@ -4993,7 +5051,7 @@
         </p:nvSpPr>
         <p:spPr>
           <a:xfrm>
-            <a:off x="1647734" y="3202399"/>
+            <a:off x="2368407" y="2625226"/>
             <a:ext cx="8619958" cy="707886"/>
           </a:xfrm>
           <a:prstGeom prst="rect">
@@ -5064,7 +5122,7 @@
         </p:blipFill>
         <p:spPr bwMode="auto">
           <a:xfrm>
-            <a:off x="835051" y="3685217"/>
+            <a:off x="-52134" y="3266381"/>
             <a:ext cx="6943725" cy="3905846"/>
           </a:xfrm>
           <a:prstGeom prst="rect">
@@ -5090,8 +5148,8 @@
         </p:nvSpPr>
         <p:spPr>
           <a:xfrm>
-            <a:off x="6650597" y="3872808"/>
-            <a:ext cx="2100263" cy="2000548"/>
+            <a:off x="6405893" y="3560476"/>
+            <a:ext cx="2100263" cy="1077218"/>
           </a:xfrm>
           <a:prstGeom prst="rect">
             <a:avLst/>
@@ -5203,10 +5261,16 @@
                   <a:srgbClr val="000000"/>
                 </a:solidFill>
               </a:rPr>
-              <a:t>Why?</a:t>
-            </a:r>
-          </a:p>
-          <a:p>
+              <a:t>Why</a:t>
+            </a:r>
+            <a:r>
+              <a:rPr lang="en-US" sz="4400" dirty="0" smtClean="0">
+                <a:solidFill>
+                  <a:srgbClr val="000000"/>
+                </a:solidFill>
+              </a:rPr>
+              <a:t>?</a:t>
+            </a:r>
             <a:endParaRPr lang="en-US" sz="2000" dirty="0"/>
           </a:p>
           <a:p>
@@ -5221,50 +5285,6 @@
                 </a:solidFill>
               </a:rPr>
               <a:t>Purity</a:t>
-            </a:r>
-            <a:endParaRPr lang="en-US" sz="2000" dirty="0">
-              <a:solidFill>
-                <a:srgbClr val="000000"/>
-              </a:solidFill>
-            </a:endParaRPr>
-          </a:p>
-          <a:p>
-            <a:pPr fontAlgn="base">
-              <a:buFont typeface="Arial" panose="020B0604020202020204" pitchFamily="34" charset="0"/>
-              <a:buChar char="•"/>
-            </a:pPr>
-            <a:r>
-              <a:rPr lang="en-US" sz="2000" dirty="0">
-                <a:solidFill>
-                  <a:srgbClr val="000000"/>
-                </a:solidFill>
-              </a:rPr>
-              <a:t>Expressiveness</a:t>
-            </a:r>
-          </a:p>
-          <a:p>
-            <a:pPr fontAlgn="base">
-              <a:spcAft>
-                <a:spcPts val="1600"/>
-              </a:spcAft>
-              <a:buFont typeface="Arial" panose="020B0604020202020204" pitchFamily="34" charset="0"/>
-              <a:buChar char="•"/>
-            </a:pPr>
-            <a:r>
-              <a:rPr lang="en-US" sz="2000" dirty="0" smtClean="0">
-                <a:solidFill>
-                  <a:srgbClr val="000000"/>
-                </a:solidFill>
-              </a:rPr>
-              <a:t>Type </a:t>
-            </a:r>
-            <a:r>
-              <a:rPr lang="en-US" sz="2000" dirty="0" smtClean="0">
-                <a:solidFill>
-                  <a:srgbClr val="000000"/>
-                </a:solidFill>
-              </a:rPr>
-              <a:t>– safety</a:t>
             </a:r>
           </a:p>
         </p:txBody>
@@ -5292,7 +5312,7 @@
         </p:blipFill>
         <p:spPr bwMode="auto">
           <a:xfrm>
-            <a:off x="-446855" y="3587149"/>
+            <a:off x="-1334040" y="3168313"/>
             <a:ext cx="6943725" cy="3905846"/>
           </a:xfrm>
           <a:prstGeom prst="rect">
@@ -5333,7 +5353,7 @@
         </p:blipFill>
         <p:spPr bwMode="auto">
           <a:xfrm>
-            <a:off x="-446854" y="3618453"/>
+            <a:off x="-1360107" y="3266381"/>
             <a:ext cx="6943725" cy="3905846"/>
           </a:xfrm>
           <a:prstGeom prst="rect">
@@ -5374,7 +5394,7 @@
         </p:blipFill>
         <p:spPr bwMode="auto">
           <a:xfrm>
-            <a:off x="194097" y="3693393"/>
+            <a:off x="-826851" y="3266381"/>
             <a:ext cx="6943725" cy="3905846"/>
           </a:xfrm>
           <a:prstGeom prst="rect">
@@ -5392,6 +5412,115 @@
           </a:extLst>
         </p:spPr>
       </p:pic>
+      <p:pic>
+        <p:nvPicPr>
+          <p:cNvPr id="2" name="Picture 1"/>
+          <p:cNvPicPr>
+            <a:picLocks noChangeAspect="1"/>
+          </p:cNvPicPr>
+          <p:nvPr/>
+        </p:nvPicPr>
+        <p:blipFill>
+          <a:blip r:embed="rId7"/>
+          <a:stretch>
+            <a:fillRect/>
+          </a:stretch>
+        </p:blipFill>
+        <p:spPr>
+          <a:xfrm>
+            <a:off x="5609685" y="4695043"/>
+            <a:ext cx="5972175" cy="1333500"/>
+          </a:xfrm>
+          <a:prstGeom prst="rect">
+            <a:avLst/>
+          </a:prstGeom>
+        </p:spPr>
+      </p:pic>
+      <p:sp>
+        <p:nvSpPr>
+          <p:cNvPr id="3" name="Rectangle 2"/>
+          <p:cNvSpPr/>
+          <p:nvPr/>
+        </p:nvSpPr>
+        <p:spPr>
+          <a:xfrm>
+            <a:off x="7301078" y="4262914"/>
+            <a:ext cx="6096000" cy="369332"/>
+          </a:xfrm>
+          <a:prstGeom prst="rect">
+            <a:avLst/>
+          </a:prstGeom>
+        </p:spPr>
+        <p:txBody>
+          <a:bodyPr>
+            <a:spAutoFit/>
+          </a:bodyPr>
+          <a:lstStyle/>
+          <a:p>
+            <a:pPr fontAlgn="base">
+              <a:buFont typeface="Arial" panose="020B0604020202020204" pitchFamily="34" charset="0"/>
+              <a:buChar char="•"/>
+            </a:pPr>
+            <a:r>
+              <a:rPr lang="en-US" dirty="0" smtClean="0">
+                <a:solidFill>
+                  <a:srgbClr val="000000"/>
+                </a:solidFill>
+              </a:rPr>
+              <a:t>Expressiveness</a:t>
+            </a:r>
+            <a:endParaRPr lang="en-US" dirty="0">
+              <a:solidFill>
+                <a:srgbClr val="000000"/>
+              </a:solidFill>
+            </a:endParaRPr>
+          </a:p>
+        </p:txBody>
+      </p:sp>
+      <p:sp>
+        <p:nvSpPr>
+          <p:cNvPr id="5" name="Rectangle 4"/>
+          <p:cNvSpPr/>
+          <p:nvPr/>
+        </p:nvSpPr>
+        <p:spPr>
+          <a:xfrm>
+            <a:off x="8934225" y="4268362"/>
+            <a:ext cx="1488356" cy="369332"/>
+          </a:xfrm>
+          <a:prstGeom prst="rect">
+            <a:avLst/>
+          </a:prstGeom>
+        </p:spPr>
+        <p:txBody>
+          <a:bodyPr wrap="none">
+            <a:spAutoFit/>
+          </a:bodyPr>
+          <a:lstStyle/>
+          <a:p>
+            <a:pPr fontAlgn="base">
+              <a:spcAft>
+                <a:spcPts val="1600"/>
+              </a:spcAft>
+              <a:buFont typeface="Arial" panose="020B0604020202020204" pitchFamily="34" charset="0"/>
+              <a:buChar char="•"/>
+            </a:pPr>
+            <a:r>
+              <a:rPr lang="en-US" dirty="0">
+                <a:solidFill>
+                  <a:srgbClr val="000000"/>
+                </a:solidFill>
+              </a:rPr>
+              <a:t>Type – safety</a:t>
+            </a:r>
+            <a:endParaRPr lang="en-US" dirty="0">
+              <a:solidFill>
+                <a:srgbClr val="000000"/>
+              </a:solidFill>
+            </a:endParaRPr>
+          </a:p>
+        </p:txBody>
+      </p:sp>
     </p:spTree>
     <p:extLst>
       <p:ext uri="{BB962C8B-B14F-4D97-AF65-F5344CB8AC3E}">

--- a/resources/architecture.pptx
+++ b/resources/architecture.pptx
@@ -12,6 +12,7 @@
     <p:sldId id="260" r:id="rId6"/>
     <p:sldId id="261" r:id="rId7"/>
     <p:sldId id="262" r:id="rId8"/>
+    <p:sldId id="263" r:id="rId9"/>
   </p:sldIdLst>
   <p:sldSz cx="12192000" cy="6858000"/>
   <p:notesSz cx="6858000" cy="9144000"/>
@@ -3346,20 +3347,20 @@
               <a:t>The architecture proposes a </a:t>
             </a:r>
             <a:r>
-              <a:rPr lang="en-US" dirty="0" err="1"/>
-              <a:t>microservice</a:t>
+              <a:rPr lang="en-US" dirty="0" smtClean="0"/>
+              <a:t>micro-service </a:t>
             </a:r>
             <a:r>
               <a:rPr lang="en-US" dirty="0"/>
-              <a:t> oriented architecture implementation with multiple autonomous </a:t>
-            </a:r>
-            <a:r>
-              <a:rPr lang="en-US" dirty="0" err="1"/>
-              <a:t>microservices</a:t>
+              <a:t>oriented architecture implementation with multiple autonomous </a:t>
+            </a:r>
+            <a:r>
+              <a:rPr lang="en-US" dirty="0" smtClean="0"/>
+              <a:t>micro-services </a:t>
             </a:r>
             <a:r>
               <a:rPr lang="en-US" dirty="0"/>
-              <a:t> (each one owning its own </a:t>
+              <a:t>(each one owning its own </a:t>
             </a:r>
             <a:r>
               <a:rPr lang="en-US" dirty="0" smtClean="0"/>
@@ -3379,12 +3380,12 @@
               <a:t>within each </a:t>
             </a:r>
             <a:r>
-              <a:rPr lang="en-US" dirty="0" err="1"/>
-              <a:t>microservice</a:t>
+              <a:rPr lang="en-US" dirty="0" smtClean="0"/>
+              <a:t>micro-service </a:t>
             </a:r>
             <a:r>
               <a:rPr lang="en-US" dirty="0"/>
-              <a:t> (simple CRUD vs. DDD/CQRS patterns</a:t>
+              <a:t>(simple CRUD vs. DDD/CQRS patterns</a:t>
             </a:r>
             <a:r>
               <a:rPr lang="en-US" dirty="0" smtClean="0"/>
@@ -3409,8 +3410,8 @@
               <a:t>the communication protocol between the client apps and the </a:t>
             </a:r>
             <a:r>
-              <a:rPr lang="en-US" dirty="0" err="1" smtClean="0"/>
-              <a:t>microservices</a:t>
+              <a:rPr lang="en-US" dirty="0" smtClean="0"/>
+              <a:t>micro-services</a:t>
             </a:r>
             <a:r>
               <a:rPr lang="en-US" dirty="0" smtClean="0"/>
@@ -5261,15 +5262,7 @@
                   <a:srgbClr val="000000"/>
                 </a:solidFill>
               </a:rPr>
-              <a:t>Why</a:t>
-            </a:r>
-            <a:r>
-              <a:rPr lang="en-US" sz="4400" dirty="0" smtClean="0">
-                <a:solidFill>
-                  <a:srgbClr val="000000"/>
-                </a:solidFill>
-              </a:rPr>
-              <a:t>?</a:t>
+              <a:t>Why?</a:t>
             </a:r>
             <a:endParaRPr lang="en-US" sz="2000" dirty="0"/>
           </a:p>
@@ -5444,8 +5437,8 @@
         </p:nvSpPr>
         <p:spPr>
           <a:xfrm>
-            <a:off x="7301078" y="4262914"/>
-            <a:ext cx="6096000" cy="369332"/>
+            <a:off x="7180610" y="4225421"/>
+            <a:ext cx="6096000" cy="400110"/>
           </a:xfrm>
           <a:prstGeom prst="rect">
             <a:avLst/>
@@ -5462,14 +5455,14 @@
               <a:buChar char="•"/>
             </a:pPr>
             <a:r>
-              <a:rPr lang="en-US" dirty="0" smtClean="0">
+              <a:rPr lang="en-US" sz="2000" dirty="0" smtClean="0">
                 <a:solidFill>
                   <a:srgbClr val="000000"/>
                 </a:solidFill>
               </a:rPr>
               <a:t>Expressiveness</a:t>
             </a:r>
-            <a:endParaRPr lang="en-US" dirty="0">
+            <a:endParaRPr lang="en-US" sz="2000" dirty="0">
               <a:solidFill>
                 <a:srgbClr val="000000"/>
               </a:solidFill>
@@ -5485,8 +5478,8 @@
         </p:nvSpPr>
         <p:spPr>
           <a:xfrm>
-            <a:off x="8934225" y="4268362"/>
-            <a:ext cx="1488356" cy="369332"/>
+            <a:off x="8923339" y="4225421"/>
+            <a:ext cx="1633717" cy="400110"/>
           </a:xfrm>
           <a:prstGeom prst="rect">
             <a:avLst/>
@@ -5506,18 +5499,13 @@
               <a:buChar char="•"/>
             </a:pPr>
             <a:r>
-              <a:rPr lang="en-US" dirty="0">
+              <a:rPr lang="en-US" sz="2000" dirty="0">
                 <a:solidFill>
                   <a:srgbClr val="000000"/>
                 </a:solidFill>
               </a:rPr>
               <a:t>Type – safety</a:t>
             </a:r>
-            <a:endParaRPr lang="en-US" dirty="0">
-              <a:solidFill>
-                <a:srgbClr val="000000"/>
-              </a:solidFill>
-            </a:endParaRPr>
           </a:p>
         </p:txBody>
       </p:sp>
@@ -5525,6 +5513,214 @@
     <p:extLst>
       <p:ext uri="{BB962C8B-B14F-4D97-AF65-F5344CB8AC3E}">
         <p14:creationId xmlns:p14="http://schemas.microsoft.com/office/powerpoint/2010/main" val="1831765684"/>
+      </p:ext>
+    </p:extLst>
+  </p:cSld>
+  <p:clrMapOvr>
+    <a:masterClrMapping/>
+  </p:clrMapOvr>
+  <p:timing>
+    <p:tnLst>
+      <p:par>
+        <p:cTn id="1" dur="indefinite" restart="never" nodeType="tmRoot"/>
+      </p:par>
+    </p:tnLst>
+  </p:timing>
+</p:sld>
+</file>
+
+<file path=ppt/slides/slide8.xml><?xml version="1.0" encoding="utf-8"?>
+<p:sld xmlns:a="http://schemas.openxmlformats.org/drawingml/2006/main" xmlns:r="http://schemas.openxmlformats.org/officeDocument/2006/relationships" xmlns:p="http://schemas.openxmlformats.org/presentationml/2006/main">
+  <p:cSld>
+    <p:spTree>
+      <p:nvGrpSpPr>
+        <p:cNvPr id="1" name=""/>
+        <p:cNvGrpSpPr/>
+        <p:nvPr/>
+      </p:nvGrpSpPr>
+      <p:grpSpPr>
+        <a:xfrm>
+          <a:off x="0" y="0"/>
+          <a:ext cx="0" cy="0"/>
+          <a:chOff x="0" y="0"/>
+          <a:chExt cx="0" cy="0"/>
+        </a:xfrm>
+      </p:grpSpPr>
+      <p:pic>
+        <p:nvPicPr>
+          <p:cNvPr id="5" name="Picture 4"/>
+          <p:cNvPicPr>
+            <a:picLocks noChangeAspect="1"/>
+          </p:cNvPicPr>
+          <p:nvPr/>
+        </p:nvPicPr>
+        <p:blipFill>
+          <a:blip r:embed="rId2">
+            <a:extLst>
+              <a:ext uri="{28A0092B-C50C-407E-A947-70E740481C1C}">
+                <a14:useLocalDpi xmlns:a14="http://schemas.microsoft.com/office/drawing/2010/main" val="0"/>
+              </a:ext>
+            </a:extLst>
+          </a:blip>
+          <a:stretch>
+            <a:fillRect/>
+          </a:stretch>
+        </p:blipFill>
+        <p:spPr>
+          <a:xfrm>
+            <a:off x="-54429" y="0"/>
+            <a:ext cx="12192000" cy="6858000"/>
+          </a:xfrm>
+          <a:prstGeom prst="rect">
+            <a:avLst/>
+          </a:prstGeom>
+        </p:spPr>
+      </p:pic>
+      <p:sp>
+        <p:nvSpPr>
+          <p:cNvPr id="4" name="Content Placeholder 2"/>
+          <p:cNvSpPr>
+            <a:spLocks noGrp="1"/>
+          </p:cNvSpPr>
+          <p:nvPr>
+            <p:ph idx="1"/>
+          </p:nvPr>
+        </p:nvSpPr>
+        <p:spPr>
+          <a:xfrm>
+            <a:off x="805544" y="376363"/>
+            <a:ext cx="10042071" cy="772051"/>
+          </a:xfrm>
+        </p:spPr>
+        <p:txBody>
+          <a:bodyPr>
+            <a:noAutofit/>
+          </a:bodyPr>
+          <a:lstStyle/>
+          <a:p>
+            <a:pPr marL="0" indent="0" algn="just">
+              <a:buNone/>
+            </a:pPr>
+            <a:r>
+              <a:rPr lang="en-US" sz="4000" b="1" dirty="0">
+                <a:ln w="12700">
+                  <a:solidFill>
+                    <a:schemeClr val="tx2">
+                      <a:lumMod val="75000"/>
+                    </a:schemeClr>
+                  </a:solidFill>
+                  <a:prstDash val="solid"/>
+                </a:ln>
+                <a:pattFill prst="dkUpDiag">
+                  <a:fgClr>
+                    <a:schemeClr val="tx2"/>
+                  </a:fgClr>
+                  <a:bgClr>
+                    <a:schemeClr val="tx2">
+                      <a:lumMod val="20000"/>
+                      <a:lumOff val="80000"/>
+                    </a:schemeClr>
+                  </a:bgClr>
+                </a:pattFill>
+                <a:effectLst>
+                  <a:outerShdw dist="38100" dir="2640000" algn="bl" rotWithShape="0">
+                    <a:schemeClr val="tx2">
+                      <a:lumMod val="75000"/>
+                    </a:schemeClr>
+                  </a:outerShdw>
+                </a:effectLst>
+              </a:rPr>
+              <a:t>Hypermedia as the Engine of Application State</a:t>
+            </a:r>
+            <a:endParaRPr lang="en-US" sz="4000" dirty="0"/>
+          </a:p>
+        </p:txBody>
+      </p:sp>
+      <p:sp>
+        <p:nvSpPr>
+          <p:cNvPr id="2" name="Rectangle 1"/>
+          <p:cNvSpPr/>
+          <p:nvPr/>
+        </p:nvSpPr>
+        <p:spPr>
+          <a:xfrm>
+            <a:off x="869544" y="1148414"/>
+            <a:ext cx="9140729" cy="646331"/>
+          </a:xfrm>
+          <a:prstGeom prst="rect">
+            <a:avLst/>
+          </a:prstGeom>
+        </p:spPr>
+        <p:txBody>
+          <a:bodyPr wrap="square">
+            <a:spAutoFit/>
+          </a:bodyPr>
+          <a:lstStyle/>
+          <a:p>
+            <a:pPr algn="just"/>
+            <a:r>
+              <a:rPr lang="en-US" dirty="0" smtClean="0"/>
+              <a:t>Provides</a:t>
+            </a:r>
+            <a:r>
+              <a:rPr lang="bg-BG" dirty="0" smtClean="0"/>
+              <a:t> </a:t>
+            </a:r>
+            <a:r>
+              <a:rPr lang="en-US" dirty="0" smtClean="0"/>
+              <a:t>hypermedia </a:t>
+            </a:r>
+            <a:r>
+              <a:rPr lang="en-US" dirty="0"/>
+              <a:t>links in the response contents </a:t>
+            </a:r>
+            <a:r>
+              <a:rPr lang="en-US" dirty="0" smtClean="0"/>
+              <a:t>so </a:t>
+            </a:r>
+            <a:r>
+              <a:rPr lang="en-US" dirty="0"/>
+              <a:t>that the client can dynamically navigate to the </a:t>
+            </a:r>
+            <a:r>
+              <a:rPr lang="en-US" dirty="0" smtClean="0"/>
+              <a:t>appropriate </a:t>
+            </a:r>
+            <a:r>
+              <a:rPr lang="en-US" dirty="0"/>
+              <a:t>resource by traversing the hypermedia links. </a:t>
+            </a:r>
+          </a:p>
+        </p:txBody>
+      </p:sp>
+      <p:pic>
+        <p:nvPicPr>
+          <p:cNvPr id="3" name="Picture 2"/>
+          <p:cNvPicPr>
+            <a:picLocks noChangeAspect="1"/>
+          </p:cNvPicPr>
+          <p:nvPr/>
+        </p:nvPicPr>
+        <p:blipFill>
+          <a:blip r:embed="rId3"/>
+          <a:stretch>
+            <a:fillRect/>
+          </a:stretch>
+        </p:blipFill>
+        <p:spPr>
+          <a:xfrm>
+            <a:off x="1643230" y="2250607"/>
+            <a:ext cx="8124825" cy="1752600"/>
+          </a:xfrm>
+          <a:prstGeom prst="rect">
+            <a:avLst/>
+          </a:prstGeom>
+        </p:spPr>
+      </p:pic>
+    </p:spTree>
+    <p:extLst>
+      <p:ext uri="{BB962C8B-B14F-4D97-AF65-F5344CB8AC3E}">
+        <p14:creationId xmlns:p14="http://schemas.microsoft.com/office/powerpoint/2010/main" val="1744031093"/>
       </p:ext>
     </p:extLst>
   </p:cSld>

--- a/resources/architecture.pptx
+++ b/resources/architecture.pptx
@@ -250,7 +250,7 @@
           <a:p>
             <a:fld id="{41635E24-1D81-43C6-A33F-0FC55214D91A}" type="datetimeFigureOut">
               <a:rPr lang="en-US" smtClean="0"/>
-              <a:t>11/27/2019</a:t>
+              <a:t>12/3/2019</a:t>
             </a:fld>
             <a:endParaRPr lang="en-US"/>
           </a:p>
@@ -420,7 +420,7 @@
           <a:p>
             <a:fld id="{41635E24-1D81-43C6-A33F-0FC55214D91A}" type="datetimeFigureOut">
               <a:rPr lang="en-US" smtClean="0"/>
-              <a:t>11/27/2019</a:t>
+              <a:t>12/3/2019</a:t>
             </a:fld>
             <a:endParaRPr lang="en-US"/>
           </a:p>
@@ -600,7 +600,7 @@
           <a:p>
             <a:fld id="{41635E24-1D81-43C6-A33F-0FC55214D91A}" type="datetimeFigureOut">
               <a:rPr lang="en-US" smtClean="0"/>
-              <a:t>11/27/2019</a:t>
+              <a:t>12/3/2019</a:t>
             </a:fld>
             <a:endParaRPr lang="en-US"/>
           </a:p>
@@ -770,7 +770,7 @@
           <a:p>
             <a:fld id="{41635E24-1D81-43C6-A33F-0FC55214D91A}" type="datetimeFigureOut">
               <a:rPr lang="en-US" smtClean="0"/>
-              <a:t>11/27/2019</a:t>
+              <a:t>12/3/2019</a:t>
             </a:fld>
             <a:endParaRPr lang="en-US"/>
           </a:p>
@@ -1016,7 +1016,7 @@
           <a:p>
             <a:fld id="{41635E24-1D81-43C6-A33F-0FC55214D91A}" type="datetimeFigureOut">
               <a:rPr lang="en-US" smtClean="0"/>
-              <a:t>11/27/2019</a:t>
+              <a:t>12/3/2019</a:t>
             </a:fld>
             <a:endParaRPr lang="en-US"/>
           </a:p>
@@ -1248,7 +1248,7 @@
           <a:p>
             <a:fld id="{41635E24-1D81-43C6-A33F-0FC55214D91A}" type="datetimeFigureOut">
               <a:rPr lang="en-US" smtClean="0"/>
-              <a:t>11/27/2019</a:t>
+              <a:t>12/3/2019</a:t>
             </a:fld>
             <a:endParaRPr lang="en-US"/>
           </a:p>
@@ -1615,7 +1615,7 @@
           <a:p>
             <a:fld id="{41635E24-1D81-43C6-A33F-0FC55214D91A}" type="datetimeFigureOut">
               <a:rPr lang="en-US" smtClean="0"/>
-              <a:t>11/27/2019</a:t>
+              <a:t>12/3/2019</a:t>
             </a:fld>
             <a:endParaRPr lang="en-US"/>
           </a:p>
@@ -1733,7 +1733,7 @@
           <a:p>
             <a:fld id="{41635E24-1D81-43C6-A33F-0FC55214D91A}" type="datetimeFigureOut">
               <a:rPr lang="en-US" smtClean="0"/>
-              <a:t>11/27/2019</a:t>
+              <a:t>12/3/2019</a:t>
             </a:fld>
             <a:endParaRPr lang="en-US"/>
           </a:p>
@@ -1828,7 +1828,7 @@
           <a:p>
             <a:fld id="{41635E24-1D81-43C6-A33F-0FC55214D91A}" type="datetimeFigureOut">
               <a:rPr lang="en-US" smtClean="0"/>
-              <a:t>11/27/2019</a:t>
+              <a:t>12/3/2019</a:t>
             </a:fld>
             <a:endParaRPr lang="en-US"/>
           </a:p>
@@ -2105,7 +2105,7 @@
           <a:p>
             <a:fld id="{41635E24-1D81-43C6-A33F-0FC55214D91A}" type="datetimeFigureOut">
               <a:rPr lang="en-US" smtClean="0"/>
-              <a:t>11/27/2019</a:t>
+              <a:t>12/3/2019</a:t>
             </a:fld>
             <a:endParaRPr lang="en-US"/>
           </a:p>
@@ -2358,7 +2358,7 @@
           <a:p>
             <a:fld id="{41635E24-1D81-43C6-A33F-0FC55214D91A}" type="datetimeFigureOut">
               <a:rPr lang="en-US" smtClean="0"/>
-              <a:t>11/27/2019</a:t>
+              <a:t>12/3/2019</a:t>
             </a:fld>
             <a:endParaRPr lang="en-US"/>
           </a:p>
@@ -2571,7 +2571,7 @@
           <a:p>
             <a:fld id="{41635E24-1D81-43C6-A33F-0FC55214D91A}" type="datetimeFigureOut">
               <a:rPr lang="en-US" smtClean="0"/>
-              <a:t>11/27/2019</a:t>
+              <a:t>12/3/2019</a:t>
             </a:fld>
             <a:endParaRPr lang="en-US"/>
           </a:p>
@@ -3015,7 +3015,7 @@
           <p:nvPr/>
         </p:nvPicPr>
         <p:blipFill>
-          <a:blip r:embed="rId3">
+          <a:blip r:embed="rId3" cstate="print">
             <a:extLst>
               <a:ext uri="{28A0092B-C50C-407E-A947-70E740481C1C}">
                 <a14:useLocalDpi xmlns:a14="http://schemas.microsoft.com/office/drawing/2010/main" val="0"/>
@@ -3029,7 +3029,7 @@
         <p:spPr>
           <a:xfrm>
             <a:off x="815310" y="2391670"/>
-            <a:ext cx="2267719" cy="3970171"/>
+            <a:ext cx="1222037" cy="2139461"/>
           </a:xfrm>
           <a:prstGeom prst="rect">
             <a:avLst/>
@@ -3058,7 +3058,7 @@
         </p:blipFill>
         <p:spPr>
           <a:xfrm>
-            <a:off x="7249401" y="2159827"/>
+            <a:off x="7548854" y="1539532"/>
             <a:ext cx="3256693" cy="3941512"/>
           </a:xfrm>
           <a:prstGeom prst="rect">
@@ -3411,11 +3411,7 @@
             </a:r>
             <a:r>
               <a:rPr lang="en-US" dirty="0" smtClean="0"/>
-              <a:t>micro-services</a:t>
-            </a:r>
-            <a:r>
-              <a:rPr lang="en-US" dirty="0" smtClean="0"/>
-              <a:t>. Asynchronous </a:t>
+              <a:t>micro-services. Asynchronous </a:t>
             </a:r>
             <a:r>
               <a:rPr lang="en-US" dirty="0"/>

--- a/resources/architecture.pptx
+++ b/resources/architecture.pptx
@@ -3028,8 +3028,8 @@
         </p:blipFill>
         <p:spPr>
           <a:xfrm>
-            <a:off x="815310" y="2391670"/>
-            <a:ext cx="1222037" cy="2139461"/>
+            <a:off x="1345870" y="2300765"/>
+            <a:ext cx="1732547" cy="3033228"/>
           </a:xfrm>
           <a:prstGeom prst="rect">
             <a:avLst/>
@@ -5705,8 +5705,32 @@
         </p:blipFill>
         <p:spPr>
           <a:xfrm>
-            <a:off x="1643230" y="2250607"/>
+            <a:off x="482851" y="2154354"/>
             <a:ext cx="8124825" cy="1752600"/>
+          </a:xfrm>
+          <a:prstGeom prst="rect">
+            <a:avLst/>
+          </a:prstGeom>
+        </p:spPr>
+      </p:pic>
+      <p:pic>
+        <p:nvPicPr>
+          <p:cNvPr id="6" name="Picture 5"/>
+          <p:cNvPicPr>
+            <a:picLocks noChangeAspect="1"/>
+          </p:cNvPicPr>
+          <p:nvPr/>
+        </p:nvPicPr>
+        <p:blipFill>
+          <a:blip r:embed="rId4"/>
+          <a:stretch>
+            <a:fillRect/>
+          </a:stretch>
+        </p:blipFill>
+        <p:spPr>
+          <a:xfrm>
+            <a:off x="6587038" y="2154354"/>
+            <a:ext cx="4600575" cy="4448175"/>
           </a:xfrm>
           <a:prstGeom prst="rect">
             <a:avLst/>
